--- a/old/EmpathicCode-DotNetCologne-2012-05-04.pptx
+++ b/old/EmpathicCode-DotNetCologne-2012-05-04.pptx
@@ -501,7 +501,7 @@
             <a:fld id="{1BA50D42-C9CD-4801-B293-61D1F53EC57E}" type="datetimeFigureOut">
               <a:rPr lang="de-DE" smtClean="0"/>
               <a:pPr/>
-              <a:t>13.05.2012</a:t>
+              <a:t>29.08.2012</a:t>
             </a:fld>
             <a:endParaRPr lang="de-DE"/>
           </a:p>
@@ -705,7 +705,7 @@
             <a:fld id="{1BA50D42-C9CD-4801-B293-61D1F53EC57E}" type="datetimeFigureOut">
               <a:rPr lang="de-DE" smtClean="0"/>
               <a:pPr/>
-              <a:t>13.05.2012</a:t>
+              <a:t>29.08.2012</a:t>
             </a:fld>
             <a:endParaRPr lang="de-DE"/>
           </a:p>
@@ -917,7 +917,7 @@
             <a:fld id="{49009F1C-25D2-4D02-B5E1-1CF1D044B88A}" type="datetime1">
               <a:rPr lang="de-DE" smtClean="0"/>
               <a:pPr/>
-              <a:t>13.05.2012</a:t>
+              <a:t>29.08.2012</a:t>
             </a:fld>
             <a:endParaRPr lang="de-DE"/>
           </a:p>
@@ -985,7 +985,7 @@
     </p:spTree>
     <p:extLst>
       <p:ext uri="{BB962C8B-B14F-4D97-AF65-F5344CB8AC3E}">
-        <p14:creationId xmlns:p14="http://schemas.microsoft.com/office/powerpoint/2010/main" xmlns="" val="3524703957"/>
+        <p14:creationId xmlns:p14="http://schemas.microsoft.com/office/powerpoint/2010/main" val="3524703957"/>
       </p:ext>
     </p:extLst>
   </p:cSld>
@@ -1192,7 +1192,7 @@
             <a:fld id="{8E508044-0D94-401F-9C78-3F61CF8331A4}" type="datetime1">
               <a:rPr lang="de-DE" smtClean="0"/>
               <a:pPr/>
-              <a:t>13.05.2012</a:t>
+              <a:t>29.08.2012</a:t>
             </a:fld>
             <a:endParaRPr lang="de-DE"/>
           </a:p>
@@ -1260,7 +1260,7 @@
     </p:spTree>
     <p:extLst>
       <p:ext uri="{BB962C8B-B14F-4D97-AF65-F5344CB8AC3E}">
-        <p14:creationId xmlns:p14="http://schemas.microsoft.com/office/powerpoint/2010/main" xmlns="" val="1567856710"/>
+        <p14:creationId xmlns:p14="http://schemas.microsoft.com/office/powerpoint/2010/main" val="1567856710"/>
       </p:ext>
     </p:extLst>
   </p:cSld>
@@ -1528,7 +1528,7 @@
             <a:fld id="{1BA50D42-C9CD-4801-B293-61D1F53EC57E}" type="datetimeFigureOut">
               <a:rPr lang="de-DE" smtClean="0"/>
               <a:pPr/>
-              <a:t>13.05.2012</a:t>
+              <a:t>29.08.2012</a:t>
             </a:fld>
             <a:endParaRPr lang="de-DE"/>
           </a:p>
@@ -1843,7 +1843,7 @@
             <a:fld id="{1BA50D42-C9CD-4801-B293-61D1F53EC57E}" type="datetimeFigureOut">
               <a:rPr lang="de-DE" smtClean="0"/>
               <a:pPr/>
-              <a:t>13.05.2012</a:t>
+              <a:t>29.08.2012</a:t>
             </a:fld>
             <a:endParaRPr lang="de-DE"/>
           </a:p>
@@ -2298,7 +2298,7 @@
             <a:fld id="{1BA50D42-C9CD-4801-B293-61D1F53EC57E}" type="datetimeFigureOut">
               <a:rPr lang="de-DE" smtClean="0"/>
               <a:pPr/>
-              <a:t>13.05.2012</a:t>
+              <a:t>29.08.2012</a:t>
             </a:fld>
             <a:endParaRPr lang="de-DE"/>
           </a:p>
@@ -2437,7 +2437,7 @@
             <a:fld id="{1BA50D42-C9CD-4801-B293-61D1F53EC57E}" type="datetimeFigureOut">
               <a:rPr lang="de-DE" smtClean="0"/>
               <a:pPr/>
-              <a:t>13.05.2012</a:t>
+              <a:t>29.08.2012</a:t>
             </a:fld>
             <a:endParaRPr lang="de-DE"/>
           </a:p>
@@ -2553,7 +2553,7 @@
             <a:fld id="{1BA50D42-C9CD-4801-B293-61D1F53EC57E}" type="datetimeFigureOut">
               <a:rPr lang="de-DE" smtClean="0"/>
               <a:pPr/>
-              <a:t>13.05.2012</a:t>
+              <a:t>29.08.2012</a:t>
             </a:fld>
             <a:endParaRPr lang="de-DE"/>
           </a:p>
@@ -2857,7 +2857,7 @@
             <a:fld id="{1BA50D42-C9CD-4801-B293-61D1F53EC57E}" type="datetimeFigureOut">
               <a:rPr lang="de-DE" smtClean="0"/>
               <a:pPr/>
-              <a:t>13.05.2012</a:t>
+              <a:t>29.08.2012</a:t>
             </a:fld>
             <a:endParaRPr lang="de-DE"/>
           </a:p>
@@ -3137,7 +3137,7 @@
             <a:fld id="{1BA50D42-C9CD-4801-B293-61D1F53EC57E}" type="datetimeFigureOut">
               <a:rPr lang="de-DE" smtClean="0"/>
               <a:pPr/>
-              <a:t>13.05.2012</a:t>
+              <a:t>29.08.2012</a:t>
             </a:fld>
             <a:endParaRPr lang="de-DE"/>
           </a:p>
@@ -3627,7 +3627,7 @@
           <a:p>
             <a:pPr algn="r"/>
             <a:r>
-              <a:rPr lang="en-US" sz="4400" dirty="0" smtClean="0">
+              <a:rPr lang="en-US" sz="4400" smtClean="0">
                 <a:solidFill>
                   <a:schemeClr val="tx1">
                     <a:lumMod val="75000"/>
@@ -3636,19 +3636,7 @@
                 </a:solidFill>
                 <a:ea typeface="Roboto" pitchFamily="2" charset="0"/>
               </a:rPr>
-              <a:t> Martin Golding</a:t>
-            </a:r>
-            <a:r>
-              <a:rPr lang="en-US" sz="2800" dirty="0" smtClean="0">
-                <a:solidFill>
-                  <a:schemeClr val="tx1">
-                    <a:lumMod val="75000"/>
-                    <a:lumOff val="25000"/>
-                  </a:schemeClr>
-                </a:solidFill>
-                <a:ea typeface="Roboto" pitchFamily="2" charset="0"/>
-              </a:rPr>
-              <a:t>.</a:t>
+              <a:t>John Woods.</a:t>
             </a:r>
             <a:endParaRPr lang="en-US" sz="2800" dirty="0">
               <a:solidFill>
@@ -10416,7 +10404,7 @@
           <a:blip r:embed="rId6" cstate="print">
             <a:extLst>
               <a:ext uri="{BEBA8EAE-BF5A-486C-A8C5-ECC9F3942E4B}">
-                <a14:imgProps xmlns:a14="http://schemas.microsoft.com/office/drawing/2010/main" xmlns="">
+                <a14:imgProps xmlns:a14="http://schemas.microsoft.com/office/drawing/2010/main">
                   <a14:imgLayer r:embed="rId7">
                     <a14:imgEffect>
                       <a14:backgroundRemoval t="0" b="100000" l="11914" r="86719"/>
@@ -10425,7 +10413,7 @@
                 </a14:imgProps>
               </a:ext>
               <a:ext uri="{28A0092B-C50C-407E-A947-70E740481C1C}">
-                <a14:useLocalDpi xmlns:a14="http://schemas.microsoft.com/office/drawing/2010/main" xmlns="" val="0"/>
+                <a14:useLocalDpi xmlns:a14="http://schemas.microsoft.com/office/drawing/2010/main" val="0"/>
               </a:ext>
             </a:extLst>
           </a:blip>
@@ -10445,7 +10433,7 @@
           <a:noFill/>
           <a:extLst>
             <a:ext uri="{909E8E84-426E-40DD-AFC4-6F175D3DCCD1}">
-              <a14:hiddenFill xmlns:a14="http://schemas.microsoft.com/office/drawing/2010/main" xmlns="">
+              <a14:hiddenFill xmlns:a14="http://schemas.microsoft.com/office/drawing/2010/main">
                 <a:solidFill>
                   <a:srgbClr val="FFFFFF"/>
                 </a:solidFill>
@@ -10503,7 +10491,7 @@
           <a:blip r:embed="rId8" cstate="print">
             <a:extLst>
               <a:ext uri="{28A0092B-C50C-407E-A947-70E740481C1C}">
-                <a14:useLocalDpi xmlns:a14="http://schemas.microsoft.com/office/drawing/2010/main" xmlns="" val="0"/>
+                <a14:useLocalDpi xmlns:a14="http://schemas.microsoft.com/office/drawing/2010/main" val="0"/>
               </a:ext>
             </a:extLst>
           </a:blip>
@@ -10523,7 +10511,7 @@
           <a:noFill/>
           <a:extLst>
             <a:ext uri="{909E8E84-426E-40DD-AFC4-6F175D3DCCD1}">
-              <a14:hiddenFill xmlns:a14="http://schemas.microsoft.com/office/drawing/2010/main" xmlns="">
+              <a14:hiddenFill xmlns:a14="http://schemas.microsoft.com/office/drawing/2010/main">
                 <a:solidFill>
                   <a:srgbClr val="FFFFFF"/>
                 </a:solidFill>
@@ -10535,7 +10523,7 @@
     </p:spTree>
     <p:extLst>
       <p:ext uri="{BB962C8B-B14F-4D97-AF65-F5344CB8AC3E}">
-        <p14:creationId xmlns:p14="http://schemas.microsoft.com/office/powerpoint/2010/main" xmlns="" val="3041060604"/>
+        <p14:creationId xmlns:p14="http://schemas.microsoft.com/office/powerpoint/2010/main" val="3041060604"/>
       </p:ext>
     </p:extLst>
   </p:cSld>
@@ -19722,14 +19710,7 @@
                 <a:latin typeface="Roboto" pitchFamily="2" charset="0"/>
                 <a:ea typeface="Roboto" pitchFamily="2" charset="0"/>
               </a:rPr>
-              <a:t>Abstraction </a:t>
-            </a:r>
-            <a:r>
-              <a:rPr lang="en-US" sz="2000" dirty="0" smtClean="0">
-                <a:latin typeface="Roboto" pitchFamily="2" charset="0"/>
-                <a:ea typeface="Roboto" pitchFamily="2" charset="0"/>
-              </a:rPr>
-              <a:t>Segregation</a:t>
+              <a:t>Abstraction Segregation</a:t>
             </a:r>
             <a:endParaRPr lang="de-DE" sz="2000" dirty="0">
               <a:latin typeface="Roboto" pitchFamily="2" charset="0"/>
@@ -20451,14 +20432,7 @@
                 <a:latin typeface="Roboto" pitchFamily="2" charset="0"/>
                 <a:ea typeface="Roboto" pitchFamily="2" charset="0"/>
               </a:rPr>
-              <a:t>Abstraction </a:t>
-            </a:r>
-            <a:r>
-              <a:rPr lang="en-US" sz="2000" dirty="0" smtClean="0">
-                <a:latin typeface="Roboto" pitchFamily="2" charset="0"/>
-                <a:ea typeface="Roboto" pitchFamily="2" charset="0"/>
-              </a:rPr>
-              <a:t>Segregation</a:t>
+              <a:t>Abstraction Segregation</a:t>
             </a:r>
             <a:endParaRPr lang="de-DE" sz="2000" dirty="0">
               <a:latin typeface="Roboto" pitchFamily="2" charset="0"/>
@@ -21005,7 +20979,7 @@
     </p:spTree>
     <p:extLst>
       <p:ext uri="{BB962C8B-B14F-4D97-AF65-F5344CB8AC3E}">
-        <p14:creationId xmlns:p14="http://schemas.microsoft.com/office/powerpoint/2010/main" xmlns="" val="1215524734"/>
+        <p14:creationId xmlns:p14="http://schemas.microsoft.com/office/powerpoint/2010/main" val="1215524734"/>
       </p:ext>
     </p:extLst>
   </p:cSld>
@@ -22345,14 +22319,7 @@
                 <a:latin typeface="Roboto" pitchFamily="2" charset="0"/>
                 <a:ea typeface="Roboto" pitchFamily="2" charset="0"/>
               </a:rPr>
-              <a:t>Abstraction </a:t>
-            </a:r>
-            <a:r>
-              <a:rPr lang="en-US" sz="2000" dirty="0" smtClean="0">
-                <a:latin typeface="Roboto" pitchFamily="2" charset="0"/>
-                <a:ea typeface="Roboto" pitchFamily="2" charset="0"/>
-              </a:rPr>
-              <a:t>Segregation</a:t>
+              <a:t>Abstraction Segregation</a:t>
             </a:r>
             <a:endParaRPr lang="de-DE" sz="2000" dirty="0">
               <a:latin typeface="Roboto" pitchFamily="2" charset="0"/>
@@ -22897,7 +22864,7 @@
     </p:spTree>
     <p:extLst>
       <p:ext uri="{BB962C8B-B14F-4D97-AF65-F5344CB8AC3E}">
-        <p14:creationId xmlns:p14="http://schemas.microsoft.com/office/powerpoint/2010/main" xmlns="" val="3745346316"/>
+        <p14:creationId xmlns:p14="http://schemas.microsoft.com/office/powerpoint/2010/main" val="3745346316"/>
       </p:ext>
     </p:extLst>
   </p:cSld>
@@ -23100,7 +23067,7 @@
     </p:spTree>
     <p:extLst>
       <p:ext uri="{BB962C8B-B14F-4D97-AF65-F5344CB8AC3E}">
-        <p14:creationId xmlns:p14="http://schemas.microsoft.com/office/powerpoint/2010/main" xmlns="" val="1229695867"/>
+        <p14:creationId xmlns:p14="http://schemas.microsoft.com/office/powerpoint/2010/main" val="1229695867"/>
       </p:ext>
     </p:extLst>
   </p:cSld>
@@ -23536,7 +23503,7 @@
     </p:spTree>
     <p:extLst>
       <p:ext uri="{BB962C8B-B14F-4D97-AF65-F5344CB8AC3E}">
-        <p14:creationId xmlns:p14="http://schemas.microsoft.com/office/powerpoint/2010/main" xmlns="" val="2299212066"/>
+        <p14:creationId xmlns:p14="http://schemas.microsoft.com/office/powerpoint/2010/main" val="2299212066"/>
       </p:ext>
     </p:extLst>
   </p:cSld>
@@ -25324,7 +25291,7 @@
     </p:spTree>
     <p:extLst>
       <p:ext uri="{BB962C8B-B14F-4D97-AF65-F5344CB8AC3E}">
-        <p14:creationId xmlns:p14="http://schemas.microsoft.com/office/powerpoint/2010/main" xmlns="" val="1388089514"/>
+        <p14:creationId xmlns:p14="http://schemas.microsoft.com/office/powerpoint/2010/main" val="1388089514"/>
       </p:ext>
     </p:extLst>
   </p:cSld>
@@ -25466,7 +25433,7 @@
     </p:spTree>
     <p:extLst>
       <p:ext uri="{BB962C8B-B14F-4D97-AF65-F5344CB8AC3E}">
-        <p14:creationId xmlns:p14="http://schemas.microsoft.com/office/powerpoint/2010/main" xmlns="" val="1980746484"/>
+        <p14:creationId xmlns:p14="http://schemas.microsoft.com/office/powerpoint/2010/main" val="1980746484"/>
       </p:ext>
     </p:extLst>
   </p:cSld>
@@ -25805,7 +25772,7 @@
     </p:spTree>
     <p:extLst>
       <p:ext uri="{BB962C8B-B14F-4D97-AF65-F5344CB8AC3E}">
-        <p14:creationId xmlns:p14="http://schemas.microsoft.com/office/powerpoint/2010/main" xmlns="" val="3688019731"/>
+        <p14:creationId xmlns:p14="http://schemas.microsoft.com/office/powerpoint/2010/main" val="3688019731"/>
       </p:ext>
     </p:extLst>
   </p:cSld>
@@ -26883,7 +26850,7 @@
     </p:spTree>
     <p:extLst>
       <p:ext uri="{BB962C8B-B14F-4D97-AF65-F5344CB8AC3E}">
-        <p14:creationId xmlns:p14="http://schemas.microsoft.com/office/powerpoint/2010/main" xmlns="" val="3613568988"/>
+        <p14:creationId xmlns:p14="http://schemas.microsoft.com/office/powerpoint/2010/main" val="3613568988"/>
       </p:ext>
     </p:extLst>
   </p:cSld>
@@ -27380,7 +27347,7 @@
     </p:spTree>
     <p:extLst>
       <p:ext uri="{BB962C8B-B14F-4D97-AF65-F5344CB8AC3E}">
-        <p14:creationId xmlns:p14="http://schemas.microsoft.com/office/powerpoint/2010/main" xmlns="" val="4200163461"/>
+        <p14:creationId xmlns:p14="http://schemas.microsoft.com/office/powerpoint/2010/main" val="4200163461"/>
       </p:ext>
     </p:extLst>
   </p:cSld>
@@ -27623,7 +27590,7 @@
           <a:blip r:embed="rId2" cstate="print">
             <a:extLst>
               <a:ext uri="{28A0092B-C50C-407E-A947-70E740481C1C}">
-                <a14:useLocalDpi xmlns:a14="http://schemas.microsoft.com/office/drawing/2010/main" xmlns="" val="0"/>
+                <a14:useLocalDpi xmlns:a14="http://schemas.microsoft.com/office/drawing/2010/main" val="0"/>
               </a:ext>
             </a:extLst>
           </a:blip>
@@ -27644,7 +27611,7 @@
     </p:spTree>
     <p:extLst>
       <p:ext uri="{BB962C8B-B14F-4D97-AF65-F5344CB8AC3E}">
-        <p14:creationId xmlns:p14="http://schemas.microsoft.com/office/powerpoint/2010/main" xmlns="" val="1409857937"/>
+        <p14:creationId xmlns:p14="http://schemas.microsoft.com/office/powerpoint/2010/main" val="1409857937"/>
       </p:ext>
     </p:extLst>
   </p:cSld>
@@ -27836,14 +27803,7 @@
                 <a:latin typeface="Roboto" pitchFamily="2" charset="0"/>
                 <a:ea typeface="Roboto" pitchFamily="2" charset="0"/>
               </a:rPr>
-              <a:t>Abstraction </a:t>
-            </a:r>
-            <a:r>
-              <a:rPr lang="en-US" sz="2000" dirty="0" smtClean="0">
-                <a:latin typeface="Roboto" pitchFamily="2" charset="0"/>
-                <a:ea typeface="Roboto" pitchFamily="2" charset="0"/>
-              </a:rPr>
-              <a:t>Segregation</a:t>
+              <a:t>Abstraction Segregation</a:t>
             </a:r>
             <a:endParaRPr lang="de-DE" sz="2000" dirty="0">
               <a:latin typeface="Roboto" pitchFamily="2" charset="0"/>
@@ -28392,7 +28352,7 @@
     </p:spTree>
     <p:extLst>
       <p:ext uri="{BB962C8B-B14F-4D97-AF65-F5344CB8AC3E}">
-        <p14:creationId xmlns:p14="http://schemas.microsoft.com/office/powerpoint/2010/main" xmlns="" val="3745346316"/>
+        <p14:creationId xmlns:p14="http://schemas.microsoft.com/office/powerpoint/2010/main" val="3745346316"/>
       </p:ext>
     </p:extLst>
   </p:cSld>
@@ -29371,7 +29331,7 @@
     </p:spTree>
     <p:extLst>
       <p:ext uri="{BB962C8B-B14F-4D97-AF65-F5344CB8AC3E}">
-        <p14:creationId xmlns:p14="http://schemas.microsoft.com/office/powerpoint/2010/main" xmlns="" val="3672145795"/>
+        <p14:creationId xmlns:p14="http://schemas.microsoft.com/office/powerpoint/2010/main" val="3672145795"/>
       </p:ext>
     </p:extLst>
   </p:cSld>
@@ -30045,7 +30005,7 @@
     </p:spTree>
     <p:extLst>
       <p:ext uri="{BB962C8B-B14F-4D97-AF65-F5344CB8AC3E}">
-        <p14:creationId xmlns:p14="http://schemas.microsoft.com/office/powerpoint/2010/main" xmlns="" val="3672145795"/>
+        <p14:creationId xmlns:p14="http://schemas.microsoft.com/office/powerpoint/2010/main" val="3672145795"/>
       </p:ext>
     </p:extLst>
   </p:cSld>
@@ -31213,14 +31173,7 @@
                 <a:latin typeface="Roboto" pitchFamily="2" charset="0"/>
                 <a:ea typeface="Roboto" pitchFamily="2" charset="0"/>
               </a:rPr>
-              <a:t>Abstraction </a:t>
-            </a:r>
-            <a:r>
-              <a:rPr lang="en-US" sz="2000" dirty="0" smtClean="0">
-                <a:latin typeface="Roboto" pitchFamily="2" charset="0"/>
-                <a:ea typeface="Roboto" pitchFamily="2" charset="0"/>
-              </a:rPr>
-              <a:t>Segregation</a:t>
+              <a:t>Abstraction Segregation</a:t>
             </a:r>
             <a:endParaRPr lang="de-DE" sz="2000" dirty="0">
               <a:latin typeface="Roboto" pitchFamily="2" charset="0"/>
@@ -31765,7 +31718,7 @@
     </p:spTree>
     <p:extLst>
       <p:ext uri="{BB962C8B-B14F-4D97-AF65-F5344CB8AC3E}">
-        <p14:creationId xmlns:p14="http://schemas.microsoft.com/office/powerpoint/2010/main" xmlns="" val="3639712168"/>
+        <p14:creationId xmlns:p14="http://schemas.microsoft.com/office/powerpoint/2010/main" val="3639712168"/>
       </p:ext>
     </p:extLst>
   </p:cSld>
@@ -32135,7 +32088,7 @@
     </p:spTree>
     <p:extLst>
       <p:ext uri="{BB962C8B-B14F-4D97-AF65-F5344CB8AC3E}">
-        <p14:creationId xmlns:p14="http://schemas.microsoft.com/office/powerpoint/2010/main" xmlns="" val="340634058"/>
+        <p14:creationId xmlns:p14="http://schemas.microsoft.com/office/powerpoint/2010/main" val="340634058"/>
       </p:ext>
     </p:extLst>
   </p:cSld>
@@ -32633,7 +32586,7 @@
     </p:spTree>
     <p:extLst>
       <p:ext uri="{BB962C8B-B14F-4D97-AF65-F5344CB8AC3E}">
-        <p14:creationId xmlns:p14="http://schemas.microsoft.com/office/powerpoint/2010/main" xmlns="" val="1842704541"/>
+        <p14:creationId xmlns:p14="http://schemas.microsoft.com/office/powerpoint/2010/main" val="1842704541"/>
       </p:ext>
     </p:extLst>
   </p:cSld>
@@ -32708,7 +32661,7 @@
     </p:spTree>
     <p:extLst>
       <p:ext uri="{BB962C8B-B14F-4D97-AF65-F5344CB8AC3E}">
-        <p14:creationId xmlns:p14="http://schemas.microsoft.com/office/powerpoint/2010/main" xmlns="" val="1783885309"/>
+        <p14:creationId xmlns:p14="http://schemas.microsoft.com/office/powerpoint/2010/main" val="1783885309"/>
       </p:ext>
     </p:extLst>
   </p:cSld>
@@ -33714,7 +33667,7 @@
     </p:spTree>
     <p:extLst>
       <p:ext uri="{BB962C8B-B14F-4D97-AF65-F5344CB8AC3E}">
-        <p14:creationId xmlns:p14="http://schemas.microsoft.com/office/powerpoint/2010/main" xmlns="" val="2232273031"/>
+        <p14:creationId xmlns:p14="http://schemas.microsoft.com/office/powerpoint/2010/main" val="2232273031"/>
       </p:ext>
     </p:extLst>
   </p:cSld>
@@ -34158,7 +34111,7 @@
     </p:spTree>
     <p:extLst>
       <p:ext uri="{BB962C8B-B14F-4D97-AF65-F5344CB8AC3E}">
-        <p14:creationId xmlns:p14="http://schemas.microsoft.com/office/powerpoint/2010/main" xmlns="" val="326209813"/>
+        <p14:creationId xmlns:p14="http://schemas.microsoft.com/office/powerpoint/2010/main" val="326209813"/>
       </p:ext>
     </p:extLst>
   </p:cSld>
@@ -34510,7 +34463,7 @@
     </p:spTree>
     <p:extLst>
       <p:ext uri="{BB962C8B-B14F-4D97-AF65-F5344CB8AC3E}">
-        <p14:creationId xmlns:p14="http://schemas.microsoft.com/office/powerpoint/2010/main" xmlns="" val="1985172737"/>
+        <p14:creationId xmlns:p14="http://schemas.microsoft.com/office/powerpoint/2010/main" val="1985172737"/>
       </p:ext>
     </p:extLst>
   </p:cSld>
@@ -34787,7 +34740,7 @@
     </p:spTree>
     <p:extLst>
       <p:ext uri="{BB962C8B-B14F-4D97-AF65-F5344CB8AC3E}">
-        <p14:creationId xmlns:p14="http://schemas.microsoft.com/office/powerpoint/2010/main" xmlns="" val="3422045647"/>
+        <p14:creationId xmlns:p14="http://schemas.microsoft.com/office/powerpoint/2010/main" val="3422045647"/>
       </p:ext>
     </p:extLst>
   </p:cSld>
@@ -35010,7 +34963,7 @@
     </p:spTree>
     <p:extLst>
       <p:ext uri="{BB962C8B-B14F-4D97-AF65-F5344CB8AC3E}">
-        <p14:creationId xmlns:p14="http://schemas.microsoft.com/office/powerpoint/2010/main" xmlns="" val="3225836304"/>
+        <p14:creationId xmlns:p14="http://schemas.microsoft.com/office/powerpoint/2010/main" val="3225836304"/>
       </p:ext>
     </p:extLst>
   </p:cSld>
